--- a/Grafiken_Pool/Auswertung/Problem_Verarbeitung.pptx
+++ b/Grafiken_Pool/Auswertung/Problem_Verarbeitung.pptx
@@ -243,7 +243,7 @@
           <a:p>
             <a:fld id="{40A9683D-5C98-054E-B547-954E3203A261}" type="datetimeFigureOut">
               <a:rPr lang="de-DE" smtClean="0"/>
-              <a:t>21.07.17</a:t>
+              <a:t>26.07.17</a:t>
             </a:fld>
             <a:endParaRPr lang="de-DE"/>
           </a:p>
@@ -408,7 +408,7 @@
           <a:p>
             <a:fld id="{40A9683D-5C98-054E-B547-954E3203A261}" type="datetimeFigureOut">
               <a:rPr lang="de-DE" smtClean="0"/>
-              <a:t>21.07.17</a:t>
+              <a:t>26.07.17</a:t>
             </a:fld>
             <a:endParaRPr lang="de-DE"/>
           </a:p>
@@ -583,7 +583,7 @@
           <a:p>
             <a:fld id="{40A9683D-5C98-054E-B547-954E3203A261}" type="datetimeFigureOut">
               <a:rPr lang="de-DE" smtClean="0"/>
-              <a:t>21.07.17</a:t>
+              <a:t>26.07.17</a:t>
             </a:fld>
             <a:endParaRPr lang="de-DE"/>
           </a:p>
@@ -748,7 +748,7 @@
           <a:p>
             <a:fld id="{40A9683D-5C98-054E-B547-954E3203A261}" type="datetimeFigureOut">
               <a:rPr lang="de-DE" smtClean="0"/>
-              <a:t>21.07.17</a:t>
+              <a:t>26.07.17</a:t>
             </a:fld>
             <a:endParaRPr lang="de-DE"/>
           </a:p>
@@ -989,7 +989,7 @@
           <a:p>
             <a:fld id="{40A9683D-5C98-054E-B547-954E3203A261}" type="datetimeFigureOut">
               <a:rPr lang="de-DE" smtClean="0"/>
-              <a:t>21.07.17</a:t>
+              <a:t>26.07.17</a:t>
             </a:fld>
             <a:endParaRPr lang="de-DE"/>
           </a:p>
@@ -1216,7 +1216,7 @@
           <a:p>
             <a:fld id="{40A9683D-5C98-054E-B547-954E3203A261}" type="datetimeFigureOut">
               <a:rPr lang="de-DE" smtClean="0"/>
-              <a:t>21.07.17</a:t>
+              <a:t>26.07.17</a:t>
             </a:fld>
             <a:endParaRPr lang="de-DE"/>
           </a:p>
@@ -1578,7 +1578,7 @@
           <a:p>
             <a:fld id="{40A9683D-5C98-054E-B547-954E3203A261}" type="datetimeFigureOut">
               <a:rPr lang="de-DE" smtClean="0"/>
-              <a:t>21.07.17</a:t>
+              <a:t>26.07.17</a:t>
             </a:fld>
             <a:endParaRPr lang="de-DE"/>
           </a:p>
@@ -1691,7 +1691,7 @@
           <a:p>
             <a:fld id="{40A9683D-5C98-054E-B547-954E3203A261}" type="datetimeFigureOut">
               <a:rPr lang="de-DE" smtClean="0"/>
-              <a:t>21.07.17</a:t>
+              <a:t>26.07.17</a:t>
             </a:fld>
             <a:endParaRPr lang="de-DE"/>
           </a:p>
@@ -1781,7 +1781,7 @@
           <a:p>
             <a:fld id="{40A9683D-5C98-054E-B547-954E3203A261}" type="datetimeFigureOut">
               <a:rPr lang="de-DE" smtClean="0"/>
-              <a:t>21.07.17</a:t>
+              <a:t>26.07.17</a:t>
             </a:fld>
             <a:endParaRPr lang="de-DE"/>
           </a:p>
@@ -2053,7 +2053,7 @@
           <a:p>
             <a:fld id="{40A9683D-5C98-054E-B547-954E3203A261}" type="datetimeFigureOut">
               <a:rPr lang="de-DE" smtClean="0"/>
-              <a:t>21.07.17</a:t>
+              <a:t>26.07.17</a:t>
             </a:fld>
             <a:endParaRPr lang="de-DE"/>
           </a:p>
@@ -2305,7 +2305,7 @@
           <a:p>
             <a:fld id="{40A9683D-5C98-054E-B547-954E3203A261}" type="datetimeFigureOut">
               <a:rPr lang="de-DE" smtClean="0"/>
-              <a:t>21.07.17</a:t>
+              <a:t>26.07.17</a:t>
             </a:fld>
             <a:endParaRPr lang="de-DE"/>
           </a:p>
@@ -2513,7 +2513,7 @@
           <a:p>
             <a:fld id="{40A9683D-5C98-054E-B547-954E3203A261}" type="datetimeFigureOut">
               <a:rPr lang="de-DE" smtClean="0"/>
-              <a:t>21.07.17</a:t>
+              <a:t>26.07.17</a:t>
             </a:fld>
             <a:endParaRPr lang="de-DE"/>
           </a:p>
@@ -2955,7 +2955,7 @@
         </p:nvSpPr>
         <p:spPr>
           <a:xfrm>
-            <a:off x="2635313" y="1904397"/>
+            <a:off x="2589435" y="13815"/>
             <a:ext cx="1947672" cy="400110"/>
           </a:xfrm>
           <a:prstGeom prst="rect">
@@ -2977,24 +2977,21 @@
               </a:rPr>
               <a:t>Abstände &lt; 1ms</a:t>
             </a:r>
-            <a:endParaRPr lang="de-DE" sz="2000" dirty="0">
-              <a:solidFill>
-                <a:schemeClr val="bg1"/>
-              </a:solidFill>
-            </a:endParaRPr>
           </a:p>
         </p:txBody>
       </p:sp>
       <p:cxnSp>
         <p:nvCxnSpPr>
           <p:cNvPr id="7" name="Gerade Verbindung mit Pfeil 6"/>
-          <p:cNvCxnSpPr/>
+          <p:cNvCxnSpPr>
+            <a:stCxn id="4" idx="2"/>
+          </p:cNvCxnSpPr>
           <p:nvPr/>
         </p:nvCxnSpPr>
         <p:spPr>
-          <a:xfrm flipV="1">
-            <a:off x="3840480" y="1456341"/>
-            <a:ext cx="54864" cy="384048"/>
+          <a:xfrm>
+            <a:off x="3563271" y="413925"/>
+            <a:ext cx="341217" cy="244443"/>
           </a:xfrm>
           <a:prstGeom prst="straightConnector1">
             <a:avLst/>
@@ -3028,9 +3025,9 @@
           <p:nvPr/>
         </p:nvCxnSpPr>
         <p:spPr>
-          <a:xfrm flipH="1" flipV="1">
-            <a:off x="3517393" y="1456341"/>
-            <a:ext cx="91756" cy="384048"/>
+          <a:xfrm>
+            <a:off x="3383280" y="398019"/>
+            <a:ext cx="137160" cy="205485"/>
           </a:xfrm>
           <a:prstGeom prst="straightConnector1">
             <a:avLst/>
@@ -3057,6 +3054,154 @@
           </a:fontRef>
         </p:style>
       </p:cxnSp>
+      <p:cxnSp>
+        <p:nvCxnSpPr>
+          <p:cNvPr id="8" name="Gerade Verbindung mit Pfeil 7"/>
+          <p:cNvCxnSpPr/>
+          <p:nvPr/>
+        </p:nvCxnSpPr>
+        <p:spPr>
+          <a:xfrm flipV="1">
+            <a:off x="320040" y="82296"/>
+            <a:ext cx="0" cy="2084832"/>
+          </a:xfrm>
+          <a:prstGeom prst="straightConnector1">
+            <a:avLst/>
+          </a:prstGeom>
+          <a:ln>
+            <a:solidFill>
+              <a:schemeClr val="bg1"/>
+            </a:solidFill>
+            <a:tailEnd type="triangle" w="lg" len="lg"/>
+          </a:ln>
+        </p:spPr>
+        <p:style>
+          <a:lnRef idx="1">
+            <a:schemeClr val="accent1"/>
+          </a:lnRef>
+          <a:fillRef idx="0">
+            <a:schemeClr val="accent1"/>
+          </a:fillRef>
+          <a:effectRef idx="0">
+            <a:schemeClr val="accent1"/>
+          </a:effectRef>
+          <a:fontRef idx="minor">
+            <a:schemeClr val="tx1"/>
+          </a:fontRef>
+        </p:style>
+      </p:cxnSp>
+      <p:cxnSp>
+        <p:nvCxnSpPr>
+          <p:cNvPr id="15" name="Gerade Verbindung mit Pfeil 14"/>
+          <p:cNvCxnSpPr/>
+          <p:nvPr/>
+        </p:nvCxnSpPr>
+        <p:spPr>
+          <a:xfrm>
+            <a:off x="320040" y="2167128"/>
+            <a:ext cx="3986784" cy="0"/>
+          </a:xfrm>
+          <a:prstGeom prst="straightConnector1">
+            <a:avLst/>
+          </a:prstGeom>
+          <a:ln>
+            <a:solidFill>
+              <a:schemeClr val="bg1"/>
+            </a:solidFill>
+            <a:tailEnd type="triangle" w="lg" len="lg"/>
+          </a:ln>
+        </p:spPr>
+        <p:style>
+          <a:lnRef idx="1">
+            <a:schemeClr val="accent1"/>
+          </a:lnRef>
+          <a:fillRef idx="0">
+            <a:schemeClr val="accent1"/>
+          </a:fillRef>
+          <a:effectRef idx="0">
+            <a:schemeClr val="accent1"/>
+          </a:effectRef>
+          <a:fontRef idx="minor">
+            <a:schemeClr val="tx1"/>
+          </a:fontRef>
+        </p:style>
+      </p:cxnSp>
+      <p:sp>
+        <p:nvSpPr>
+          <p:cNvPr id="22" name="Textfeld 21"/>
+          <p:cNvSpPr txBox="1"/>
+          <p:nvPr/>
+        </p:nvSpPr>
+        <p:spPr>
+          <a:xfrm rot="16200000">
+            <a:off x="-344613" y="489092"/>
+            <a:ext cx="1027781" cy="338554"/>
+          </a:xfrm>
+          <a:prstGeom prst="rect">
+            <a:avLst/>
+          </a:prstGeom>
+          <a:noFill/>
+        </p:spPr>
+        <p:txBody>
+          <a:bodyPr wrap="square" rtlCol="0">
+            <a:spAutoFit/>
+          </a:bodyPr>
+          <a:lstStyle/>
+          <a:p>
+            <a:r>
+              <a:rPr lang="de-DE" sz="1600" dirty="0" smtClean="0">
+                <a:solidFill>
+                  <a:schemeClr val="bg1"/>
+                </a:solidFill>
+              </a:rPr>
+              <a:t>Frequenz</a:t>
+            </a:r>
+            <a:endParaRPr lang="de-DE" sz="1600" dirty="0">
+              <a:solidFill>
+                <a:schemeClr val="bg1"/>
+              </a:solidFill>
+            </a:endParaRPr>
+          </a:p>
+        </p:txBody>
+      </p:sp>
+      <p:sp>
+        <p:nvSpPr>
+          <p:cNvPr id="23" name="Textfeld 22"/>
+          <p:cNvSpPr txBox="1"/>
+          <p:nvPr/>
+        </p:nvSpPr>
+        <p:spPr>
+          <a:xfrm>
+            <a:off x="3700669" y="2118898"/>
+            <a:ext cx="781653" cy="338554"/>
+          </a:xfrm>
+          <a:prstGeom prst="rect">
+            <a:avLst/>
+          </a:prstGeom>
+          <a:noFill/>
+        </p:spPr>
+        <p:txBody>
+          <a:bodyPr wrap="square" rtlCol="0">
+            <a:spAutoFit/>
+          </a:bodyPr>
+          <a:lstStyle/>
+          <a:p>
+            <a:r>
+              <a:rPr lang="de-DE" sz="1600" dirty="0" smtClean="0">
+                <a:solidFill>
+                  <a:schemeClr val="bg1"/>
+                </a:solidFill>
+              </a:rPr>
+              <a:t>Zeit</a:t>
+            </a:r>
+            <a:endParaRPr lang="de-DE" sz="1600" dirty="0">
+              <a:solidFill>
+                <a:schemeClr val="bg1"/>
+              </a:solidFill>
+            </a:endParaRPr>
+          </a:p>
+        </p:txBody>
+      </p:sp>
     </p:spTree>
     <p:extLst>
       <p:ext uri="{BB962C8B-B14F-4D97-AF65-F5344CB8AC3E}">
